--- a/prototypes/primitives.pptx
+++ b/prototypes/primitives.pptx
@@ -5,7 +5,7 @@
     <p:sldMasterId r:id="rId1"/>
   </p:sldMasterIdLst>
   <p:notesMasterIdLst>
-    <p:notesMasterId r:id="rId13"/>
+    <p:notesMasterId r:id="rId15"/>
   </p:notesMasterIdLst>
   <p:sldIdLst>
     <p:sldId id="261" r:id="rId2"/>
@@ -17,8 +17,10 @@
     <p:sldId id="258" r:id="rId8"/>
     <p:sldId id="256" r:id="rId9"/>
     <p:sldId id="257" r:id="rId10"/>
-    <p:sldId id="263" r:id="rId11"/>
-    <p:sldId id="264" r:id="rId12"/>
+    <p:sldId id="270" r:id="rId11"/>
+    <p:sldId id="263" r:id="rId12"/>
+    <p:sldId id="264" r:id="rId13"/>
+    <p:sldId id="269" r:id="rId14"/>
   </p:sldIdLst>
   <p:sldSz cx="9144000" cy="6858000" type="screen4x3"/>
   <p:notesSz cx="6858000" cy="9144000"/>
@@ -203,7 +205,7 @@
             <a:fld id="{B8C514E5-6467-844E-A9DE-8E3971296500}" type="datetimeFigureOut">
               <a:rPr lang="en-US" smtClean="0"/>
               <a:pPr/>
-              <a:t>11/29/11</a:t>
+              <a:t>11/30/11</a:t>
             </a:fld>
             <a:endParaRPr lang="en-US"/>
           </a:p>
@@ -551,6 +553,88 @@
 </p:notes>
 </file>
 
+<file path=ppt/notesSlides/notesSlide10.xml><?xml version="1.0" encoding="utf-8"?>
+<p:notes xmlns:a="http://schemas.openxmlformats.org/drawingml/2006/main" xmlns:r="http://schemas.openxmlformats.org/officeDocument/2006/relationships" xmlns:mc="http://schemas.openxmlformats.org/markup-compatibility/2006" xmlns:mv="urn:schemas-microsoft-com:mac:vml" xmlns:p="http://schemas.openxmlformats.org/presentationml/2006/main" mc:Ignorable="mv" mc:PreserveAttributes="mv:*">
+  <p:cSld>
+    <p:spTree>
+      <p:nvGrpSpPr>
+        <p:cNvPr id="1" name=""/>
+        <p:cNvGrpSpPr/>
+        <p:nvPr/>
+      </p:nvGrpSpPr>
+      <p:grpSpPr>
+        <a:xfrm>
+          <a:off x="0" y="0"/>
+          <a:ext cx="0" cy="0"/>
+          <a:chOff x="0" y="0"/>
+          <a:chExt cx="0" cy="0"/>
+        </a:xfrm>
+      </p:grpSpPr>
+      <p:sp>
+        <p:nvSpPr>
+          <p:cNvPr id="2" name="Slide Image Placeholder 1"/>
+          <p:cNvSpPr>
+            <a:spLocks noGrp="1" noRot="1" noChangeAspect="1"/>
+          </p:cNvSpPr>
+          <p:nvPr>
+            <p:ph type="sldImg"/>
+          </p:nvPr>
+        </p:nvSpPr>
+        <p:spPr/>
+      </p:sp>
+      <p:sp>
+        <p:nvSpPr>
+          <p:cNvPr id="3" name="Notes Placeholder 2"/>
+          <p:cNvSpPr>
+            <a:spLocks noGrp="1"/>
+          </p:cNvSpPr>
+          <p:nvPr>
+            <p:ph type="body" idx="1"/>
+          </p:nvPr>
+        </p:nvSpPr>
+        <p:spPr/>
+        <p:txBody>
+          <a:bodyPr>
+            <a:normAutofit/>
+          </a:bodyPr>
+          <a:lstStyle/>
+          <a:p>
+            <a:endParaRPr lang="en-US" dirty="0" smtClean="0"/>
+          </a:p>
+        </p:txBody>
+      </p:sp>
+      <p:sp>
+        <p:nvSpPr>
+          <p:cNvPr id="4" name="Slide Number Placeholder 3"/>
+          <p:cNvSpPr>
+            <a:spLocks noGrp="1"/>
+          </p:cNvSpPr>
+          <p:nvPr>
+            <p:ph type="sldNum" sz="quarter" idx="10"/>
+          </p:nvPr>
+        </p:nvSpPr>
+        <p:spPr/>
+        <p:txBody>
+          <a:bodyPr/>
+          <a:lstStyle/>
+          <a:p>
+            <a:fld id="{1DC2BB82-9266-774E-9362-DC9F3F186BCC}" type="slidenum">
+              <a:rPr lang="en-US" smtClean="0"/>
+              <a:pPr/>
+              <a:t>13</a:t>
+            </a:fld>
+            <a:endParaRPr lang="en-US"/>
+          </a:p>
+        </p:txBody>
+      </p:sp>
+    </p:spTree>
+  </p:cSld>
+  <p:clrMapOvr>
+    <a:masterClrMapping/>
+  </p:clrMapOvr>
+</p:notes>
+</file>
+
 <file path=ppt/notesSlides/notesSlide2.xml><?xml version="1.0" encoding="utf-8"?>
 <p:notes xmlns:a="http://schemas.openxmlformats.org/drawingml/2006/main" xmlns:r="http://schemas.openxmlformats.org/officeDocument/2006/relationships" xmlns:mc="http://schemas.openxmlformats.org/markup-compatibility/2006" xmlns:mv="urn:schemas-microsoft-com:mac:vml" xmlns:p="http://schemas.openxmlformats.org/presentationml/2006/main" mc:Ignorable="mv" mc:PreserveAttributes="mv:*">
   <p:cSld>
@@ -1007,7 +1091,7 @@
           </a:bodyPr>
           <a:lstStyle/>
           <a:p>
-            <a:endParaRPr lang="en-US" dirty="0" smtClean="0"/>
+            <a:endParaRPr lang="en-US" dirty="0"/>
           </a:p>
         </p:txBody>
       </p:sp>
@@ -1112,6 +1196,88 @@
               <a:rPr lang="en-US" smtClean="0"/>
               <a:pPr/>
               <a:t>11</a:t>
+            </a:fld>
+            <a:endParaRPr lang="en-US"/>
+          </a:p>
+        </p:txBody>
+      </p:sp>
+    </p:spTree>
+  </p:cSld>
+  <p:clrMapOvr>
+    <a:masterClrMapping/>
+  </p:clrMapOvr>
+</p:notes>
+</file>
+
+<file path=ppt/notesSlides/notesSlide9.xml><?xml version="1.0" encoding="utf-8"?>
+<p:notes xmlns:a="http://schemas.openxmlformats.org/drawingml/2006/main" xmlns:r="http://schemas.openxmlformats.org/officeDocument/2006/relationships" xmlns:mc="http://schemas.openxmlformats.org/markup-compatibility/2006" xmlns:mv="urn:schemas-microsoft-com:mac:vml" xmlns:p="http://schemas.openxmlformats.org/presentationml/2006/main" mc:Ignorable="mv" mc:PreserveAttributes="mv:*">
+  <p:cSld>
+    <p:spTree>
+      <p:nvGrpSpPr>
+        <p:cNvPr id="1" name=""/>
+        <p:cNvGrpSpPr/>
+        <p:nvPr/>
+      </p:nvGrpSpPr>
+      <p:grpSpPr>
+        <a:xfrm>
+          <a:off x="0" y="0"/>
+          <a:ext cx="0" cy="0"/>
+          <a:chOff x="0" y="0"/>
+          <a:chExt cx="0" cy="0"/>
+        </a:xfrm>
+      </p:grpSpPr>
+      <p:sp>
+        <p:nvSpPr>
+          <p:cNvPr id="2" name="Slide Image Placeholder 1"/>
+          <p:cNvSpPr>
+            <a:spLocks noGrp="1" noRot="1" noChangeAspect="1"/>
+          </p:cNvSpPr>
+          <p:nvPr>
+            <p:ph type="sldImg"/>
+          </p:nvPr>
+        </p:nvSpPr>
+        <p:spPr/>
+      </p:sp>
+      <p:sp>
+        <p:nvSpPr>
+          <p:cNvPr id="3" name="Notes Placeholder 2"/>
+          <p:cNvSpPr>
+            <a:spLocks noGrp="1"/>
+          </p:cNvSpPr>
+          <p:nvPr>
+            <p:ph type="body" idx="1"/>
+          </p:nvPr>
+        </p:nvSpPr>
+        <p:spPr/>
+        <p:txBody>
+          <a:bodyPr>
+            <a:normAutofit/>
+          </a:bodyPr>
+          <a:lstStyle/>
+          <a:p>
+            <a:endParaRPr lang="en-US" dirty="0" smtClean="0"/>
+          </a:p>
+        </p:txBody>
+      </p:sp>
+      <p:sp>
+        <p:nvSpPr>
+          <p:cNvPr id="4" name="Slide Number Placeholder 3"/>
+          <p:cNvSpPr>
+            <a:spLocks noGrp="1"/>
+          </p:cNvSpPr>
+          <p:nvPr>
+            <p:ph type="sldNum" sz="quarter" idx="10"/>
+          </p:nvPr>
+        </p:nvSpPr>
+        <p:spPr/>
+        <p:txBody>
+          <a:bodyPr/>
+          <a:lstStyle/>
+          <a:p>
+            <a:fld id="{1DC2BB82-9266-774E-9362-DC9F3F186BCC}" type="slidenum">
+              <a:rPr lang="en-US" smtClean="0"/>
+              <a:pPr/>
+              <a:t>12</a:t>
             </a:fld>
             <a:endParaRPr lang="en-US"/>
           </a:p>
@@ -1307,7 +1473,7 @@
             <a:fld id="{B4FF4D10-EFC7-A34A-B9D7-26BE1898A462}" type="datetimeFigureOut">
               <a:rPr lang="en-US" smtClean="0"/>
               <a:pPr/>
-              <a:t>11/29/11</a:t>
+              <a:t>11/30/11</a:t>
             </a:fld>
             <a:endParaRPr lang="en-US"/>
           </a:p>
@@ -1474,7 +1640,7 @@
             <a:fld id="{B4FF4D10-EFC7-A34A-B9D7-26BE1898A462}" type="datetimeFigureOut">
               <a:rPr lang="en-US" smtClean="0"/>
               <a:pPr/>
-              <a:t>11/29/11</a:t>
+              <a:t>11/30/11</a:t>
             </a:fld>
             <a:endParaRPr lang="en-US"/>
           </a:p>
@@ -1651,7 +1817,7 @@
             <a:fld id="{B4FF4D10-EFC7-A34A-B9D7-26BE1898A462}" type="datetimeFigureOut">
               <a:rPr lang="en-US" smtClean="0"/>
               <a:pPr/>
-              <a:t>11/29/11</a:t>
+              <a:t>11/30/11</a:t>
             </a:fld>
             <a:endParaRPr lang="en-US"/>
           </a:p>
@@ -1818,7 +1984,7 @@
             <a:fld id="{B4FF4D10-EFC7-A34A-B9D7-26BE1898A462}" type="datetimeFigureOut">
               <a:rPr lang="en-US" smtClean="0"/>
               <a:pPr/>
-              <a:t>11/29/11</a:t>
+              <a:t>11/30/11</a:t>
             </a:fld>
             <a:endParaRPr lang="en-US"/>
           </a:p>
@@ -2061,7 +2227,7 @@
             <a:fld id="{B4FF4D10-EFC7-A34A-B9D7-26BE1898A462}" type="datetimeFigureOut">
               <a:rPr lang="en-US" smtClean="0"/>
               <a:pPr/>
-              <a:t>11/29/11</a:t>
+              <a:t>11/30/11</a:t>
             </a:fld>
             <a:endParaRPr lang="en-US"/>
           </a:p>
@@ -2346,7 +2512,7 @@
             <a:fld id="{B4FF4D10-EFC7-A34A-B9D7-26BE1898A462}" type="datetimeFigureOut">
               <a:rPr lang="en-US" smtClean="0"/>
               <a:pPr/>
-              <a:t>11/29/11</a:t>
+              <a:t>11/30/11</a:t>
             </a:fld>
             <a:endParaRPr lang="en-US"/>
           </a:p>
@@ -2765,7 +2931,7 @@
             <a:fld id="{B4FF4D10-EFC7-A34A-B9D7-26BE1898A462}" type="datetimeFigureOut">
               <a:rPr lang="en-US" smtClean="0"/>
               <a:pPr/>
-              <a:t>11/29/11</a:t>
+              <a:t>11/30/11</a:t>
             </a:fld>
             <a:endParaRPr lang="en-US"/>
           </a:p>
@@ -2880,7 +3046,7 @@
             <a:fld id="{B4FF4D10-EFC7-A34A-B9D7-26BE1898A462}" type="datetimeFigureOut">
               <a:rPr lang="en-US" smtClean="0"/>
               <a:pPr/>
-              <a:t>11/29/11</a:t>
+              <a:t>11/30/11</a:t>
             </a:fld>
             <a:endParaRPr lang="en-US"/>
           </a:p>
@@ -2972,7 +3138,7 @@
             <a:fld id="{B4FF4D10-EFC7-A34A-B9D7-26BE1898A462}" type="datetimeFigureOut">
               <a:rPr lang="en-US" smtClean="0"/>
               <a:pPr/>
-              <a:t>11/29/11</a:t>
+              <a:t>11/30/11</a:t>
             </a:fld>
             <a:endParaRPr lang="en-US"/>
           </a:p>
@@ -3246,7 +3412,7 @@
             <a:fld id="{B4FF4D10-EFC7-A34A-B9D7-26BE1898A462}" type="datetimeFigureOut">
               <a:rPr lang="en-US" smtClean="0"/>
               <a:pPr/>
-              <a:t>11/29/11</a:t>
+              <a:t>11/30/11</a:t>
             </a:fld>
             <a:endParaRPr lang="en-US"/>
           </a:p>
@@ -3496,7 +3662,7 @@
             <a:fld id="{B4FF4D10-EFC7-A34A-B9D7-26BE1898A462}" type="datetimeFigureOut">
               <a:rPr lang="en-US" smtClean="0"/>
               <a:pPr/>
-              <a:t>11/29/11</a:t>
+              <a:t>11/30/11</a:t>
             </a:fld>
             <a:endParaRPr lang="en-US"/>
           </a:p>
@@ -3706,7 +3872,7 @@
             <a:fld id="{B4FF4D10-EFC7-A34A-B9D7-26BE1898A462}" type="datetimeFigureOut">
               <a:rPr lang="en-US" smtClean="0"/>
               <a:pPr/>
-              <a:t>11/29/11</a:t>
+              <a:t>11/30/11</a:t>
             </a:fld>
             <a:endParaRPr lang="en-US"/>
           </a:p>
@@ -4171,6 +4337,163 @@
           <a:chExt cx="0" cy="0"/>
         </a:xfrm>
       </p:grpSpPr>
+      <p:sp>
+        <p:nvSpPr>
+          <p:cNvPr id="4" name="TextBox 3"/>
+          <p:cNvSpPr txBox="1"/>
+          <p:nvPr/>
+        </p:nvSpPr>
+        <p:spPr>
+          <a:xfrm>
+            <a:off x="457200" y="392668"/>
+            <a:ext cx="1479717" cy="369332"/>
+          </a:xfrm>
+          <a:prstGeom prst="rect">
+            <a:avLst/>
+          </a:prstGeom>
+          <a:noFill/>
+        </p:spPr>
+        <p:txBody>
+          <a:bodyPr wrap="none" rtlCol="0">
+            <a:spAutoFit/>
+          </a:bodyPr>
+          <a:lstStyle/>
+          <a:p>
+            <a:r>
+              <a:rPr lang="en-US" dirty="0" smtClean="0"/>
+              <a:t>MINIMIZING</a:t>
+            </a:r>
+            <a:endParaRPr lang="en-US" dirty="0"/>
+          </a:p>
+        </p:txBody>
+      </p:sp>
+      <p:pic>
+        <p:nvPicPr>
+          <p:cNvPr id="7" name="Picture 6" descr="iPhone-icon.png"/>
+          <p:cNvPicPr>
+            <a:picLocks noChangeAspect="1"/>
+          </p:cNvPicPr>
+          <p:nvPr/>
+        </p:nvPicPr>
+        <p:blipFill>
+          <a:blip r:embed="rId3"/>
+          <a:stretch>
+            <a:fillRect/>
+          </a:stretch>
+        </p:blipFill>
+        <p:spPr>
+          <a:xfrm>
+            <a:off x="609600" y="5029200"/>
+            <a:ext cx="970313" cy="1080000"/>
+          </a:xfrm>
+          <a:prstGeom prst="rect">
+            <a:avLst/>
+          </a:prstGeom>
+        </p:spPr>
+      </p:pic>
+    </p:spTree>
+  </p:cSld>
+  <p:clrMapOvr>
+    <a:masterClrMapping/>
+  </p:clrMapOvr>
+  <p:timing>
+    <p:tnLst>
+      <p:par>
+        <p:cTn id="1" dur="indefinite" restart="never" nodeType="tmRoot">
+          <p:childTnLst>
+            <p:seq concurrent="1" nextAc="seek">
+              <p:cTn id="2" dur="indefinite" nodeType="mainSeq">
+                <p:childTnLst>
+                  <p:par>
+                    <p:cTn id="3" fill="hold">
+                      <p:stCondLst>
+                        <p:cond delay="indefinite"/>
+                        <p:cond evt="onBegin" delay="0">
+                          <p:tn val="2"/>
+                        </p:cond>
+                      </p:stCondLst>
+                      <p:childTnLst>
+                        <p:par>
+                          <p:cTn id="4" fill="hold">
+                            <p:stCondLst>
+                              <p:cond delay="0"/>
+                            </p:stCondLst>
+                            <p:childTnLst>
+                              <p:par>
+                                <p:cTn id="5" presetID="1" presetClass="entr" presetSubtype="0" fill="hold" nodeType="afterEffect">
+                                  <p:stCondLst>
+                                    <p:cond delay="0"/>
+                                  </p:stCondLst>
+                                  <p:childTnLst>
+                                    <p:set>
+                                      <p:cBhvr>
+                                        <p:cTn id="6" dur="1" fill="hold">
+                                          <p:stCondLst>
+                                            <p:cond delay="0"/>
+                                          </p:stCondLst>
+                                        </p:cTn>
+                                        <p:tgtEl>
+                                          <p:spTgt spid="7"/>
+                                        </p:tgtEl>
+                                        <p:attrNameLst>
+                                          <p:attrName>style.visibility</p:attrName>
+                                        </p:attrNameLst>
+                                      </p:cBhvr>
+                                      <p:to>
+                                        <p:strVal val="visible"/>
+                                      </p:to>
+                                    </p:set>
+                                  </p:childTnLst>
+                                </p:cTn>
+                              </p:par>
+                            </p:childTnLst>
+                          </p:cTn>
+                        </p:par>
+                      </p:childTnLst>
+                    </p:cTn>
+                  </p:par>
+                </p:childTnLst>
+              </p:cTn>
+              <p:prevCondLst>
+                <p:cond evt="onPrev" delay="0">
+                  <p:tgtEl>
+                    <p:sldTgt/>
+                  </p:tgtEl>
+                </p:cond>
+              </p:prevCondLst>
+              <p:nextCondLst>
+                <p:cond evt="onNext" delay="0">
+                  <p:tgtEl>
+                    <p:sldTgt/>
+                  </p:tgtEl>
+                </p:cond>
+              </p:nextCondLst>
+            </p:seq>
+          </p:childTnLst>
+        </p:cTn>
+      </p:par>
+    </p:tnLst>
+  </p:timing>
+</p:sld>
+</file>
+
+<file path=ppt/slides/slide11.xml><?xml version="1.0" encoding="utf-8"?>
+<p:sld xmlns:a="http://schemas.openxmlformats.org/drawingml/2006/main" xmlns:r="http://schemas.openxmlformats.org/officeDocument/2006/relationships" xmlns:mc="http://schemas.openxmlformats.org/markup-compatibility/2006" xmlns:mv="urn:schemas-microsoft-com:mac:vml" xmlns:p="http://schemas.openxmlformats.org/presentationml/2006/main" mc:Ignorable="mv" mc:PreserveAttributes="mv:*">
+  <p:cSld>
+    <p:spTree>
+      <p:nvGrpSpPr>
+        <p:cNvPr id="1" name=""/>
+        <p:cNvGrpSpPr/>
+        <p:nvPr/>
+      </p:nvGrpSpPr>
+      <p:grpSpPr>
+        <a:xfrm>
+          <a:off x="0" y="0"/>
+          <a:ext cx="0" cy="0"/>
+          <a:chOff x="0" y="0"/>
+          <a:chExt cx="0" cy="0"/>
+        </a:xfrm>
+      </p:grpSpPr>
       <p:pic>
         <p:nvPicPr>
           <p:cNvPr id="5" name="Picture 4" descr="screenWindow.png"/>
@@ -4356,7 +4679,7 @@
 </p:sld>
 </file>
 
-<file path=ppt/slides/slide11.xml><?xml version="1.0" encoding="utf-8"?>
+<file path=ppt/slides/slide12.xml><?xml version="1.0" encoding="utf-8"?>
 <p:sld xmlns:a="http://schemas.openxmlformats.org/drawingml/2006/main" xmlns:r="http://schemas.openxmlformats.org/officeDocument/2006/relationships" xmlns:mc="http://schemas.openxmlformats.org/markup-compatibility/2006" xmlns:mv="urn:schemas-microsoft-com:mac:vml" xmlns:p="http://schemas.openxmlformats.org/presentationml/2006/main" mc:Ignorable="mv" mc:PreserveAttributes="mv:*">
   <p:cSld>
     <p:spTree>
@@ -4505,6 +4828,68 @@
             </p:seq>
           </p:childTnLst>
         </p:cTn>
+      </p:par>
+    </p:tnLst>
+  </p:timing>
+</p:sld>
+</file>
+
+<file path=ppt/slides/slide13.xml><?xml version="1.0" encoding="utf-8"?>
+<p:sld xmlns:a="http://schemas.openxmlformats.org/drawingml/2006/main" xmlns:r="http://schemas.openxmlformats.org/officeDocument/2006/relationships" xmlns:mc="http://schemas.openxmlformats.org/markup-compatibility/2006" xmlns:mv="urn:schemas-microsoft-com:mac:vml" xmlns:p="http://schemas.openxmlformats.org/presentationml/2006/main" mc:Ignorable="mv" mc:PreserveAttributes="mv:*">
+  <p:cSld>
+    <p:spTree>
+      <p:nvGrpSpPr>
+        <p:cNvPr id="1" name=""/>
+        <p:cNvGrpSpPr/>
+        <p:nvPr/>
+      </p:nvGrpSpPr>
+      <p:grpSpPr>
+        <a:xfrm>
+          <a:off x="0" y="0"/>
+          <a:ext cx="0" cy="0"/>
+          <a:chOff x="0" y="0"/>
+          <a:chExt cx="0" cy="0"/>
+        </a:xfrm>
+      </p:grpSpPr>
+      <p:sp>
+        <p:nvSpPr>
+          <p:cNvPr id="3" name="TextBox 2"/>
+          <p:cNvSpPr txBox="1"/>
+          <p:nvPr/>
+        </p:nvSpPr>
+        <p:spPr>
+          <a:xfrm>
+            <a:off x="3429000" y="3429000"/>
+            <a:ext cx="2362200" cy="369332"/>
+          </a:xfrm>
+          <a:prstGeom prst="rect">
+            <a:avLst/>
+          </a:prstGeom>
+          <a:noFill/>
+        </p:spPr>
+        <p:txBody>
+          <a:bodyPr wrap="square" rtlCol="0">
+            <a:spAutoFit/>
+          </a:bodyPr>
+          <a:lstStyle/>
+          <a:p>
+            <a:r>
+              <a:rPr lang="en-US" dirty="0" smtClean="0"/>
+              <a:t>The End (Thank You)</a:t>
+            </a:r>
+            <a:endParaRPr lang="en-US" dirty="0"/>
+          </a:p>
+        </p:txBody>
+      </p:sp>
+    </p:spTree>
+  </p:cSld>
+  <p:clrMapOvr>
+    <a:masterClrMapping/>
+  </p:clrMapOvr>
+  <p:timing>
+    <p:tnLst>
+      <p:par>
+        <p:cTn id="1" dur="indefinite" restart="never" nodeType="tmRoot"/>
       </p:par>
     </p:tnLst>
   </p:timing>
@@ -5432,7 +5817,7 @@
           </a:stretch>
         </p:blipFill>
         <p:spPr>
-          <a:xfrm>
+          <a:xfrm rot="16200000">
             <a:off x="3608878" y="1989000"/>
             <a:ext cx="1926243" cy="2880000"/>
           </a:xfrm>
@@ -5663,33 +6048,6 @@
                             </p:childTnLst>
                           </p:cTn>
                         </p:par>
-                        <p:par>
-                          <p:cTn id="7" fill="hold">
-                            <p:stCondLst>
-                              <p:cond delay="2000"/>
-                            </p:stCondLst>
-                            <p:childTnLst>
-                              <p:par>
-                                <p:cTn id="8" presetID="6" presetClass="emph" presetSubtype="0" accel="50000" decel="50000" fill="hold" nodeType="afterEffect">
-                                  <p:stCondLst>
-                                    <p:cond delay="0"/>
-                                  </p:stCondLst>
-                                  <p:childTnLst>
-                                    <p:animScale>
-                                      <p:cBhvr>
-                                        <p:cTn id="9" dur="2000" fill="hold"/>
-                                        <p:tgtEl>
-                                          <p:spTgt spid="5"/>
-                                        </p:tgtEl>
-                                      </p:cBhvr>
-                                      <p:by x="50000" y="50000"/>
-                                    </p:animScale>
-                                  </p:childTnLst>
-                                </p:cTn>
-                              </p:par>
-                            </p:childTnLst>
-                          </p:cTn>
-                        </p:par>
                       </p:childTnLst>
                     </p:cTn>
                   </p:par>
@@ -5789,30 +6147,6 @@
           </a:p>
         </p:txBody>
       </p:sp>
-      <p:pic>
-        <p:nvPicPr>
-          <p:cNvPr id="7" name="Picture 6" descr="iPhone-icon.png"/>
-          <p:cNvPicPr>
-            <a:picLocks noChangeAspect="1"/>
-          </p:cNvPicPr>
-          <p:nvPr/>
-        </p:nvPicPr>
-        <p:blipFill>
-          <a:blip r:embed="rId4"/>
-          <a:stretch>
-            <a:fillRect/>
-          </a:stretch>
-        </p:blipFill>
-        <p:spPr>
-          <a:xfrm>
-            <a:off x="609600" y="5029200"/>
-            <a:ext cx="970313" cy="1080000"/>
-          </a:xfrm>
-          <a:prstGeom prst="rect">
-            <a:avLst/>
-          </a:prstGeom>
-        </p:spPr>
-      </p:pic>
     </p:spTree>
   </p:cSld>
   <p:clrMapOvr>
@@ -5821,157 +6155,7 @@
   <p:timing>
     <p:tnLst>
       <p:par>
-        <p:cTn id="1" dur="indefinite" restart="never" nodeType="tmRoot">
-          <p:childTnLst>
-            <p:seq concurrent="1" nextAc="seek">
-              <p:cTn id="2" dur="indefinite" nodeType="mainSeq">
-                <p:childTnLst>
-                  <p:par>
-                    <p:cTn id="3" fill="hold">
-                      <p:stCondLst>
-                        <p:cond delay="indefinite"/>
-                      </p:stCondLst>
-                      <p:childTnLst>
-                        <p:par>
-                          <p:cTn id="4" fill="hold">
-                            <p:stCondLst>
-                              <p:cond delay="0"/>
-                            </p:stCondLst>
-                            <p:childTnLst>
-                              <p:par>
-                                <p:cTn id="5" presetID="2" presetClass="exit" presetSubtype="12" fill="hold" nodeType="clickEffect">
-                                  <p:stCondLst>
-                                    <p:cond delay="0"/>
-                                  </p:stCondLst>
-                                  <p:childTnLst>
-                                    <p:anim calcmode="lin" valueType="num">
-                                      <p:cBhvr additive="base">
-                                        <p:cTn id="6" dur="1000"/>
-                                        <p:tgtEl>
-                                          <p:spTgt spid="5"/>
-                                        </p:tgtEl>
-                                        <p:attrNameLst>
-                                          <p:attrName>ppt_x</p:attrName>
-                                        </p:attrNameLst>
-                                      </p:cBhvr>
-                                      <p:tavLst>
-                                        <p:tav tm="0">
-                                          <p:val>
-                                            <p:strVal val="ppt_x"/>
-                                          </p:val>
-                                        </p:tav>
-                                        <p:tav tm="100000">
-                                          <p:val>
-                                            <p:strVal val="0-ppt_w/2"/>
-                                          </p:val>
-                                        </p:tav>
-                                      </p:tavLst>
-                                    </p:anim>
-                                    <p:anim calcmode="lin" valueType="num">
-                                      <p:cBhvr additive="base">
-                                        <p:cTn id="7" dur="1000"/>
-                                        <p:tgtEl>
-                                          <p:spTgt spid="5"/>
-                                        </p:tgtEl>
-                                        <p:attrNameLst>
-                                          <p:attrName>ppt_y</p:attrName>
-                                        </p:attrNameLst>
-                                      </p:cBhvr>
-                                      <p:tavLst>
-                                        <p:tav tm="0">
-                                          <p:val>
-                                            <p:strVal val="ppt_y"/>
-                                          </p:val>
-                                        </p:tav>
-                                        <p:tav tm="100000">
-                                          <p:val>
-                                            <p:strVal val="1+ppt_h/2"/>
-                                          </p:val>
-                                        </p:tav>
-                                      </p:tavLst>
-                                    </p:anim>
-                                    <p:set>
-                                      <p:cBhvr>
-                                        <p:cTn id="8" dur="1" fill="hold">
-                                          <p:stCondLst>
-                                            <p:cond delay="999"/>
-                                          </p:stCondLst>
-                                        </p:cTn>
-                                        <p:tgtEl>
-                                          <p:spTgt spid="5"/>
-                                        </p:tgtEl>
-                                        <p:attrNameLst>
-                                          <p:attrName>style.visibility</p:attrName>
-                                        </p:attrNameLst>
-                                      </p:cBhvr>
-                                      <p:to>
-                                        <p:strVal val="hidden"/>
-                                      </p:to>
-                                    </p:set>
-                                  </p:childTnLst>
-                                </p:cTn>
-                              </p:par>
-                            </p:childTnLst>
-                          </p:cTn>
-                        </p:par>
-                        <p:par>
-                          <p:cTn id="9" fill="hold">
-                            <p:stCondLst>
-                              <p:cond delay="1000"/>
-                            </p:stCondLst>
-                            <p:childTnLst>
-                              <p:par>
-                                <p:cTn id="10" presetID="1" presetClass="entr" presetSubtype="0" fill="hold" nodeType="afterEffect">
-                                  <p:stCondLst>
-                                    <p:cond delay="0"/>
-                                  </p:stCondLst>
-                                  <p:childTnLst>
-                                    <p:set>
-                                      <p:cBhvr>
-                                        <p:cTn id="11" dur="1" fill="hold">
-                                          <p:stCondLst>
-                                            <p:cond delay="0"/>
-                                          </p:stCondLst>
-                                        </p:cTn>
-                                        <p:tgtEl>
-                                          <p:spTgt spid="7"/>
-                                        </p:tgtEl>
-                                        <p:attrNameLst>
-                                          <p:attrName>style.visibility</p:attrName>
-                                        </p:attrNameLst>
-                                      </p:cBhvr>
-                                      <p:to>
-                                        <p:strVal val="visible"/>
-                                      </p:to>
-                                    </p:set>
-                                  </p:childTnLst>
-                                </p:cTn>
-                              </p:par>
-                            </p:childTnLst>
-                          </p:cTn>
-                        </p:par>
-                      </p:childTnLst>
-                    </p:cTn>
-                  </p:par>
-                </p:childTnLst>
-              </p:cTn>
-              <p:prevCondLst>
-                <p:cond evt="onPrev" delay="0">
-                  <p:tgtEl>
-                    <p:sldTgt/>
-                  </p:tgtEl>
-                </p:cond>
-              </p:prevCondLst>
-              <p:nextCondLst>
-                <p:cond evt="onNext" delay="0">
-                  <p:tgtEl>
-                    <p:sldTgt/>
-                  </p:tgtEl>
-                </p:cond>
-              </p:nextCondLst>
-            </p:seq>
-          </p:childTnLst>
-        </p:cTn>
+        <p:cTn id="1" dur="indefinite" restart="never" nodeType="tmRoot"/>
       </p:par>
     </p:tnLst>
   </p:timing>
